--- a/CourseworkA/Presentation.pptx
+++ b/CourseworkA/Presentation.pptx
@@ -241,7 +241,7 @@
           <a:p>
             <a:fld id="{CE0B2510-8E3E-4ED0-B6F9-B196EF47E28F}" type="datetimeFigureOut">
               <a:rPr lang="nl-NL" smtClean="0"/>
-              <a:t>19-3-2019</a:t>
+              <a:t>2-4-2019</a:t>
             </a:fld>
             <a:endParaRPr lang="nl-NL"/>
           </a:p>
@@ -658,7 +658,7 @@
           <a:p>
             <a:fld id="{E9BCC26E-9B91-4346-B07F-86B24C47DFB0}" type="datetimeFigureOut">
               <a:rPr lang="nl-NL" smtClean="0"/>
-              <a:t>19-3-2019</a:t>
+              <a:t>2-4-2019</a:t>
             </a:fld>
             <a:endParaRPr lang="nl-NL"/>
           </a:p>
@@ -858,7 +858,7 @@
           <a:p>
             <a:fld id="{E9BCC26E-9B91-4346-B07F-86B24C47DFB0}" type="datetimeFigureOut">
               <a:rPr lang="nl-NL" smtClean="0"/>
-              <a:t>19-3-2019</a:t>
+              <a:t>2-4-2019</a:t>
             </a:fld>
             <a:endParaRPr lang="nl-NL"/>
           </a:p>
@@ -1068,7 +1068,7 @@
           <a:p>
             <a:fld id="{E9BCC26E-9B91-4346-B07F-86B24C47DFB0}" type="datetimeFigureOut">
               <a:rPr lang="nl-NL" smtClean="0"/>
-              <a:t>19-3-2019</a:t>
+              <a:t>2-4-2019</a:t>
             </a:fld>
             <a:endParaRPr lang="nl-NL"/>
           </a:p>
@@ -1268,7 +1268,7 @@
           <a:p>
             <a:fld id="{E9BCC26E-9B91-4346-B07F-86B24C47DFB0}" type="datetimeFigureOut">
               <a:rPr lang="nl-NL" smtClean="0"/>
-              <a:t>19-3-2019</a:t>
+              <a:t>2-4-2019</a:t>
             </a:fld>
             <a:endParaRPr lang="nl-NL"/>
           </a:p>
@@ -1544,7 +1544,7 @@
           <a:p>
             <a:fld id="{E9BCC26E-9B91-4346-B07F-86B24C47DFB0}" type="datetimeFigureOut">
               <a:rPr lang="nl-NL" smtClean="0"/>
-              <a:t>19-3-2019</a:t>
+              <a:t>2-4-2019</a:t>
             </a:fld>
             <a:endParaRPr lang="nl-NL"/>
           </a:p>
@@ -1812,7 +1812,7 @@
           <a:p>
             <a:fld id="{E9BCC26E-9B91-4346-B07F-86B24C47DFB0}" type="datetimeFigureOut">
               <a:rPr lang="nl-NL" smtClean="0"/>
-              <a:t>19-3-2019</a:t>
+              <a:t>2-4-2019</a:t>
             </a:fld>
             <a:endParaRPr lang="nl-NL"/>
           </a:p>
@@ -2227,7 +2227,7 @@
           <a:p>
             <a:fld id="{E9BCC26E-9B91-4346-B07F-86B24C47DFB0}" type="datetimeFigureOut">
               <a:rPr lang="nl-NL" smtClean="0"/>
-              <a:t>19-3-2019</a:t>
+              <a:t>2-4-2019</a:t>
             </a:fld>
             <a:endParaRPr lang="nl-NL"/>
           </a:p>
@@ -2369,7 +2369,7 @@
           <a:p>
             <a:fld id="{E9BCC26E-9B91-4346-B07F-86B24C47DFB0}" type="datetimeFigureOut">
               <a:rPr lang="nl-NL" smtClean="0"/>
-              <a:t>19-3-2019</a:t>
+              <a:t>2-4-2019</a:t>
             </a:fld>
             <a:endParaRPr lang="nl-NL"/>
           </a:p>
@@ -2482,7 +2482,7 @@
           <a:p>
             <a:fld id="{E9BCC26E-9B91-4346-B07F-86B24C47DFB0}" type="datetimeFigureOut">
               <a:rPr lang="nl-NL" smtClean="0"/>
-              <a:t>19-3-2019</a:t>
+              <a:t>2-4-2019</a:t>
             </a:fld>
             <a:endParaRPr lang="nl-NL"/>
           </a:p>
@@ -2795,7 +2795,7 @@
           <a:p>
             <a:fld id="{E9BCC26E-9B91-4346-B07F-86B24C47DFB0}" type="datetimeFigureOut">
               <a:rPr lang="nl-NL" smtClean="0"/>
-              <a:t>19-3-2019</a:t>
+              <a:t>2-4-2019</a:t>
             </a:fld>
             <a:endParaRPr lang="nl-NL"/>
           </a:p>
@@ -3084,7 +3084,7 @@
           <a:p>
             <a:fld id="{E9BCC26E-9B91-4346-B07F-86B24C47DFB0}" type="datetimeFigureOut">
               <a:rPr lang="nl-NL" smtClean="0"/>
-              <a:t>19-3-2019</a:t>
+              <a:t>2-4-2019</a:t>
             </a:fld>
             <a:endParaRPr lang="nl-NL"/>
           </a:p>
@@ -3327,7 +3327,7 @@
           <a:p>
             <a:fld id="{E9BCC26E-9B91-4346-B07F-86B24C47DFB0}" type="datetimeFigureOut">
               <a:rPr lang="nl-NL" smtClean="0"/>
-              <a:t>19-3-2019</a:t>
+              <a:t>2-4-2019</a:t>
             </a:fld>
             <a:endParaRPr lang="nl-NL"/>
           </a:p>
@@ -4265,7 +4265,7 @@
         </p:nvSpPr>
         <p:spPr>
           <a:xfrm>
-            <a:off x="1979802" y="2535572"/>
+            <a:off x="1935192" y="3142599"/>
             <a:ext cx="2315361" cy="1786855"/>
           </a:xfrm>
           <a:prstGeom prst="ellipse">
@@ -4334,7 +4334,7 @@
         </p:nvSpPr>
         <p:spPr>
           <a:xfrm>
-            <a:off x="7896839" y="2535572"/>
+            <a:off x="7852229" y="3142599"/>
             <a:ext cx="2315361" cy="1786855"/>
           </a:xfrm>
           <a:prstGeom prst="ellipse">
@@ -4398,7 +4398,7 @@
         </p:nvCxnSpPr>
         <p:spPr>
           <a:xfrm>
-            <a:off x="4295163" y="3429000"/>
+            <a:off x="4250553" y="4036027"/>
             <a:ext cx="3601676" cy="0"/>
           </a:xfrm>
           <a:prstGeom prst="straightConnector1">
@@ -4464,6 +4464,272 @@
           </a:p>
         </p:txBody>
       </p:sp>
+      <p:sp>
+        <p:nvSpPr>
+          <p:cNvPr id="9" name="Oval 8">
+            <a:extLst>
+              <a:ext uri="{FF2B5EF4-FFF2-40B4-BE49-F238E27FC236}">
+                <a16:creationId xmlns:a16="http://schemas.microsoft.com/office/drawing/2014/main" id="{AD16BA20-1B48-4656-AE89-339857C30464}"/>
+              </a:ext>
+            </a:extLst>
+          </p:cNvPr>
+          <p:cNvSpPr/>
+          <p:nvPr/>
+        </p:nvSpPr>
+        <p:spPr>
+          <a:xfrm>
+            <a:off x="4893711" y="4929454"/>
+            <a:ext cx="2315360" cy="1413580"/>
+          </a:xfrm>
+          <a:prstGeom prst="ellipse">
+            <a:avLst/>
+          </a:prstGeom>
+          <a:solidFill>
+            <a:schemeClr val="bg1"/>
+          </a:solidFill>
+          <a:ln>
+            <a:solidFill>
+              <a:schemeClr val="tx1"/>
+            </a:solidFill>
+          </a:ln>
+        </p:spPr>
+        <p:style>
+          <a:lnRef idx="2">
+            <a:schemeClr val="accent1">
+              <a:shade val="50000"/>
+            </a:schemeClr>
+          </a:lnRef>
+          <a:fillRef idx="1">
+            <a:schemeClr val="accent1"/>
+          </a:fillRef>
+          <a:effectRef idx="0">
+            <a:schemeClr val="accent1"/>
+          </a:effectRef>
+          <a:fontRef idx="minor">
+            <a:schemeClr val="lt1"/>
+          </a:fontRef>
+        </p:style>
+        <p:txBody>
+          <a:bodyPr rtlCol="0" anchor="ctr"/>
+          <a:lstStyle/>
+          <a:p>
+            <a:pPr algn="ctr"/>
+            <a:r>
+              <a:rPr lang="nl-NL" dirty="0">
+                <a:solidFill>
+                  <a:schemeClr val="tx1"/>
+                </a:solidFill>
+              </a:rPr>
+              <a:t>Coffee consumption habits</a:t>
+            </a:r>
+          </a:p>
+          <a:p>
+            <a:pPr algn="ctr"/>
+            <a:endParaRPr lang="nl-NL" dirty="0">
+              <a:solidFill>
+                <a:schemeClr val="tx1"/>
+              </a:solidFill>
+            </a:endParaRPr>
+          </a:p>
+        </p:txBody>
+      </p:sp>
+      <p:cxnSp>
+        <p:nvCxnSpPr>
+          <p:cNvPr id="6" name="Straight Arrow Connector 5">
+            <a:extLst>
+              <a:ext uri="{FF2B5EF4-FFF2-40B4-BE49-F238E27FC236}">
+                <a16:creationId xmlns:a16="http://schemas.microsoft.com/office/drawing/2014/main" id="{BBE27943-FCC5-4E52-B915-EB65605CFCF0}"/>
+              </a:ext>
+            </a:extLst>
+          </p:cNvPr>
+          <p:cNvCxnSpPr>
+            <a:stCxn id="9" idx="0"/>
+          </p:cNvCxnSpPr>
+          <p:nvPr/>
+        </p:nvCxnSpPr>
+        <p:spPr>
+          <a:xfrm flipV="1">
+            <a:off x="6051391" y="4036026"/>
+            <a:ext cx="0" cy="893428"/>
+          </a:xfrm>
+          <a:prstGeom prst="straightConnector1">
+            <a:avLst/>
+          </a:prstGeom>
+          <a:ln>
+            <a:tailEnd type="triangle"/>
+          </a:ln>
+        </p:spPr>
+        <p:style>
+          <a:lnRef idx="1">
+            <a:schemeClr val="accent1"/>
+          </a:lnRef>
+          <a:fillRef idx="0">
+            <a:schemeClr val="accent1"/>
+          </a:fillRef>
+          <a:effectRef idx="0">
+            <a:schemeClr val="accent1"/>
+          </a:effectRef>
+          <a:fontRef idx="minor">
+            <a:schemeClr val="tx1"/>
+          </a:fontRef>
+        </p:style>
+      </p:cxnSp>
+      <p:sp>
+        <p:nvSpPr>
+          <p:cNvPr id="11" name="Oval 10">
+            <a:extLst>
+              <a:ext uri="{FF2B5EF4-FFF2-40B4-BE49-F238E27FC236}">
+                <a16:creationId xmlns:a16="http://schemas.microsoft.com/office/drawing/2014/main" id="{1FA9A7B7-37D7-4137-8B6C-32410EAF97A8}"/>
+              </a:ext>
+            </a:extLst>
+          </p:cNvPr>
+          <p:cNvSpPr/>
+          <p:nvPr/>
+        </p:nvSpPr>
+        <p:spPr>
+          <a:xfrm>
+            <a:off x="5090440" y="1851267"/>
+            <a:ext cx="2011119" cy="1456506"/>
+          </a:xfrm>
+          <a:prstGeom prst="ellipse">
+            <a:avLst/>
+          </a:prstGeom>
+          <a:solidFill>
+            <a:schemeClr val="bg1"/>
+          </a:solidFill>
+          <a:ln>
+            <a:solidFill>
+              <a:schemeClr val="tx1"/>
+            </a:solidFill>
+          </a:ln>
+        </p:spPr>
+        <p:style>
+          <a:lnRef idx="2">
+            <a:schemeClr val="accent1">
+              <a:shade val="50000"/>
+            </a:schemeClr>
+          </a:lnRef>
+          <a:fillRef idx="1">
+            <a:schemeClr val="accent1"/>
+          </a:fillRef>
+          <a:effectRef idx="0">
+            <a:schemeClr val="accent1"/>
+          </a:effectRef>
+          <a:fontRef idx="minor">
+            <a:schemeClr val="lt1"/>
+          </a:fontRef>
+        </p:style>
+        <p:txBody>
+          <a:bodyPr rtlCol="0" anchor="ctr"/>
+          <a:lstStyle/>
+          <a:p>
+            <a:pPr algn="ctr"/>
+            <a:r>
+              <a:rPr lang="nl-NL" dirty="0">
+                <a:solidFill>
+                  <a:schemeClr val="tx1"/>
+                </a:solidFill>
+              </a:rPr>
+              <a:t>Sleepingness</a:t>
+            </a:r>
+          </a:p>
+          <a:p>
+            <a:pPr algn="ctr"/>
+            <a:r>
+              <a:rPr lang="nl-NL" dirty="0">
+                <a:solidFill>
+                  <a:schemeClr val="tx1"/>
+                </a:solidFill>
+              </a:rPr>
+              <a:t>Feeling</a:t>
+            </a:r>
+          </a:p>
+        </p:txBody>
+      </p:sp>
+      <p:cxnSp>
+        <p:nvCxnSpPr>
+          <p:cNvPr id="13" name="Straight Arrow Connector 12">
+            <a:extLst>
+              <a:ext uri="{FF2B5EF4-FFF2-40B4-BE49-F238E27FC236}">
+                <a16:creationId xmlns:a16="http://schemas.microsoft.com/office/drawing/2014/main" id="{31533828-E35D-4C00-BFDD-8B2C6D690082}"/>
+              </a:ext>
+            </a:extLst>
+          </p:cNvPr>
+          <p:cNvCxnSpPr>
+            <a:stCxn id="4" idx="7"/>
+            <a:endCxn id="11" idx="2"/>
+          </p:cNvCxnSpPr>
+          <p:nvPr/>
+        </p:nvCxnSpPr>
+        <p:spPr>
+          <a:xfrm flipV="1">
+            <a:off x="3911476" y="2579520"/>
+            <a:ext cx="1178964" cy="824758"/>
+          </a:xfrm>
+          <a:prstGeom prst="straightConnector1">
+            <a:avLst/>
+          </a:prstGeom>
+          <a:ln>
+            <a:tailEnd type="triangle"/>
+          </a:ln>
+        </p:spPr>
+        <p:style>
+          <a:lnRef idx="1">
+            <a:schemeClr val="accent1"/>
+          </a:lnRef>
+          <a:fillRef idx="0">
+            <a:schemeClr val="accent1"/>
+          </a:fillRef>
+          <a:effectRef idx="0">
+            <a:schemeClr val="accent1"/>
+          </a:effectRef>
+          <a:fontRef idx="minor">
+            <a:schemeClr val="tx1"/>
+          </a:fontRef>
+        </p:style>
+      </p:cxnSp>
+      <p:cxnSp>
+        <p:nvCxnSpPr>
+          <p:cNvPr id="16" name="Straight Arrow Connector 15">
+            <a:extLst>
+              <a:ext uri="{FF2B5EF4-FFF2-40B4-BE49-F238E27FC236}">
+                <a16:creationId xmlns:a16="http://schemas.microsoft.com/office/drawing/2014/main" id="{B49DB2BF-0496-4166-889A-C6E2FA109E54}"/>
+              </a:ext>
+            </a:extLst>
+          </p:cNvPr>
+          <p:cNvCxnSpPr>
+            <a:stCxn id="11" idx="6"/>
+            <a:endCxn id="5" idx="1"/>
+          </p:cNvCxnSpPr>
+          <p:nvPr/>
+        </p:nvCxnSpPr>
+        <p:spPr>
+          <a:xfrm>
+            <a:off x="7101559" y="2579520"/>
+            <a:ext cx="1089747" cy="824758"/>
+          </a:xfrm>
+          <a:prstGeom prst="straightConnector1">
+            <a:avLst/>
+          </a:prstGeom>
+          <a:ln>
+            <a:tailEnd type="triangle"/>
+          </a:ln>
+        </p:spPr>
+        <p:style>
+          <a:lnRef idx="1">
+            <a:schemeClr val="accent1"/>
+          </a:lnRef>
+          <a:fillRef idx="0">
+            <a:schemeClr val="accent1"/>
+          </a:fillRef>
+          <a:effectRef idx="0">
+            <a:schemeClr val="accent1"/>
+          </a:effectRef>
+          <a:fontRef idx="minor">
+            <a:schemeClr val="tx1"/>
+          </a:fontRef>
+        </p:style>
+      </p:cxnSp>
     </p:spTree>
     <p:extLst>
       <p:ext uri="{BB962C8B-B14F-4D97-AF65-F5344CB8AC3E}">
